--- a/Project Report_BAN 610_Group 7_Presentation.docx.pptx
+++ b/Project Report_BAN 610_Group 7_Presentation.docx.pptx
@@ -347,7 +347,7 @@
           <a:p>
             <a:fld id="{9CD63415-A77A-4DD3-BE42-DDB58CF53188}" type="datetimeFigureOut">
               <a:rPr lang="en-CA" smtClean="0"/>
-              <a:t>2021-05-05</a:t>
+              <a:t>2021-12-07</a:t>
             </a:fld>
             <a:endParaRPr lang="en-CA"/>
           </a:p>
@@ -614,7 +614,7 @@
           <a:p>
             <a:fld id="{9CD63415-A77A-4DD3-BE42-DDB58CF53188}" type="datetimeFigureOut">
               <a:rPr lang="en-CA" smtClean="0"/>
-              <a:t>2021-05-05</a:t>
+              <a:t>2021-12-07</a:t>
             </a:fld>
             <a:endParaRPr lang="en-CA"/>
           </a:p>
@@ -845,7 +845,7 @@
           <a:p>
             <a:fld id="{9CD63415-A77A-4DD3-BE42-DDB58CF53188}" type="datetimeFigureOut">
               <a:rPr lang="en-CA" smtClean="0"/>
-              <a:t>2021-05-05</a:t>
+              <a:t>2021-12-07</a:t>
             </a:fld>
             <a:endParaRPr lang="en-CA"/>
           </a:p>
@@ -1155,7 +1155,7 @@
           <a:p>
             <a:fld id="{9CD63415-A77A-4DD3-BE42-DDB58CF53188}" type="datetimeFigureOut">
               <a:rPr lang="en-CA" smtClean="0"/>
-              <a:t>2021-05-05</a:t>
+              <a:t>2021-12-07</a:t>
             </a:fld>
             <a:endParaRPr lang="en-CA"/>
           </a:p>
@@ -1628,7 +1628,7 @@
           <a:p>
             <a:fld id="{9CD63415-A77A-4DD3-BE42-DDB58CF53188}" type="datetimeFigureOut">
               <a:rPr lang="en-CA" smtClean="0"/>
-              <a:t>2021-05-05</a:t>
+              <a:t>2021-12-07</a:t>
             </a:fld>
             <a:endParaRPr lang="en-CA"/>
           </a:p>
@@ -2175,7 +2175,7 @@
           <a:p>
             <a:fld id="{9CD63415-A77A-4DD3-BE42-DDB58CF53188}" type="datetimeFigureOut">
               <a:rPr lang="en-CA" smtClean="0"/>
-              <a:t>2021-05-05</a:t>
+              <a:t>2021-12-07</a:t>
             </a:fld>
             <a:endParaRPr lang="en-CA"/>
           </a:p>
@@ -2949,7 +2949,7 @@
           <a:p>
             <a:fld id="{9CD63415-A77A-4DD3-BE42-DDB58CF53188}" type="datetimeFigureOut">
               <a:rPr lang="en-CA" smtClean="0"/>
-              <a:t>2021-05-05</a:t>
+              <a:t>2021-12-07</a:t>
             </a:fld>
             <a:endParaRPr lang="en-CA"/>
           </a:p>
@@ -3124,7 +3124,7 @@
           <a:p>
             <a:fld id="{9CD63415-A77A-4DD3-BE42-DDB58CF53188}" type="datetimeFigureOut">
               <a:rPr lang="en-CA" smtClean="0"/>
-              <a:t>2021-05-05</a:t>
+              <a:t>2021-12-07</a:t>
             </a:fld>
             <a:endParaRPr lang="en-CA"/>
           </a:p>
@@ -3347,7 +3347,7 @@
           <a:p>
             <a:fld id="{9CD63415-A77A-4DD3-BE42-DDB58CF53188}" type="datetimeFigureOut">
               <a:rPr lang="en-CA" smtClean="0"/>
-              <a:t>2021-05-05</a:t>
+              <a:t>2021-12-07</a:t>
             </a:fld>
             <a:endParaRPr lang="en-CA"/>
           </a:p>
@@ -3527,7 +3527,7 @@
           <a:p>
             <a:fld id="{9CD63415-A77A-4DD3-BE42-DDB58CF53188}" type="datetimeFigureOut">
               <a:rPr lang="en-CA" smtClean="0"/>
-              <a:t>2021-05-05</a:t>
+              <a:t>2021-12-07</a:t>
             </a:fld>
             <a:endParaRPr lang="en-CA"/>
           </a:p>
@@ -3816,7 +3816,7 @@
           <a:p>
             <a:fld id="{9CD63415-A77A-4DD3-BE42-DDB58CF53188}" type="datetimeFigureOut">
               <a:rPr lang="en-CA" smtClean="0"/>
-              <a:t>2021-05-05</a:t>
+              <a:t>2021-12-07</a:t>
             </a:fld>
             <a:endParaRPr lang="en-CA"/>
           </a:p>
@@ -4058,7 +4058,7 @@
           <a:p>
             <a:fld id="{9CD63415-A77A-4DD3-BE42-DDB58CF53188}" type="datetimeFigureOut">
               <a:rPr lang="en-CA" smtClean="0"/>
-              <a:t>2021-05-05</a:t>
+              <a:t>2021-12-07</a:t>
             </a:fld>
             <a:endParaRPr lang="en-CA"/>
           </a:p>
@@ -4437,7 +4437,7 @@
           <a:p>
             <a:fld id="{9CD63415-A77A-4DD3-BE42-DDB58CF53188}" type="datetimeFigureOut">
               <a:rPr lang="en-CA" smtClean="0"/>
-              <a:t>2021-05-05</a:t>
+              <a:t>2021-12-07</a:t>
             </a:fld>
             <a:endParaRPr lang="en-CA"/>
           </a:p>
@@ -4555,7 +4555,7 @@
           <a:p>
             <a:fld id="{9CD63415-A77A-4DD3-BE42-DDB58CF53188}" type="datetimeFigureOut">
               <a:rPr lang="en-CA" smtClean="0"/>
-              <a:t>2021-05-05</a:t>
+              <a:t>2021-12-07</a:t>
             </a:fld>
             <a:endParaRPr lang="en-CA"/>
           </a:p>
@@ -4650,7 +4650,7 @@
           <a:p>
             <a:fld id="{9CD63415-A77A-4DD3-BE42-DDB58CF53188}" type="datetimeFigureOut">
               <a:rPr lang="en-CA" smtClean="0"/>
-              <a:t>2021-05-05</a:t>
+              <a:t>2021-12-07</a:t>
             </a:fld>
             <a:endParaRPr lang="en-CA"/>
           </a:p>
@@ -4899,7 +4899,7 @@
           <a:p>
             <a:fld id="{9CD63415-A77A-4DD3-BE42-DDB58CF53188}" type="datetimeFigureOut">
               <a:rPr lang="en-CA" smtClean="0"/>
-              <a:t>2021-05-05</a:t>
+              <a:t>2021-12-07</a:t>
             </a:fld>
             <a:endParaRPr lang="en-CA"/>
           </a:p>
@@ -5156,7 +5156,7 @@
           <a:p>
             <a:fld id="{9CD63415-A77A-4DD3-BE42-DDB58CF53188}" type="datetimeFigureOut">
               <a:rPr lang="en-CA" smtClean="0"/>
-              <a:t>2021-05-05</a:t>
+              <a:t>2021-12-07</a:t>
             </a:fld>
             <a:endParaRPr lang="en-CA"/>
           </a:p>
@@ -5399,7 +5399,7 @@
           <a:p>
             <a:fld id="{9CD63415-A77A-4DD3-BE42-DDB58CF53188}" type="datetimeFigureOut">
               <a:rPr lang="en-CA" smtClean="0"/>
-              <a:t>2021-05-05</a:t>
+              <a:t>2021-12-07</a:t>
             </a:fld>
             <a:endParaRPr lang="en-CA"/>
           </a:p>
@@ -5840,51 +5840,11 @@
           <a:p>
             <a:pPr algn="r"/>
             <a:r>
-              <a:rPr lang="en-CA" sz="2400" b="1" u="sng" dirty="0">
-                <a:latin typeface="Times New Roman" panose="02020603050405020304" pitchFamily="18" charset="0"/>
-                <a:cs typeface="Times New Roman" panose="02020603050405020304" pitchFamily="18" charset="0"/>
-              </a:rPr>
-              <a:t>Group 7</a:t>
-            </a:r>
-            <a:r>
-              <a:rPr lang="en-CA" sz="2400" b="1" dirty="0">
-                <a:latin typeface="Times New Roman" panose="02020603050405020304" pitchFamily="18" charset="0"/>
-                <a:cs typeface="Times New Roman" panose="02020603050405020304" pitchFamily="18" charset="0"/>
-              </a:rPr>
-              <a:t>:</a:t>
-            </a:r>
-            <a:br>
-              <a:rPr lang="en-CA" sz="2400" b="1" dirty="0">
-                <a:latin typeface="Times New Roman" panose="02020603050405020304" pitchFamily="18" charset="0"/>
-                <a:cs typeface="Times New Roman" panose="02020603050405020304" pitchFamily="18" charset="0"/>
-              </a:rPr>
-            </a:br>
-            <a:r>
-              <a:rPr lang="en-CA" sz="2400" b="1" dirty="0" err="1">
-                <a:latin typeface="Times New Roman" panose="02020603050405020304" pitchFamily="18" charset="0"/>
-                <a:cs typeface="Times New Roman" panose="02020603050405020304" pitchFamily="18" charset="0"/>
-              </a:rPr>
-              <a:t>KaraN</a:t>
-            </a:r>
-            <a:r>
-              <a:rPr lang="en-CA" sz="2400" b="1" dirty="0">
-                <a:latin typeface="Times New Roman" panose="02020603050405020304" pitchFamily="18" charset="0"/>
-                <a:cs typeface="Times New Roman" panose="02020603050405020304" pitchFamily="18" charset="0"/>
-              </a:rPr>
-              <a:t>  Malik </a:t>
-            </a:r>
-            <a:br>
-              <a:rPr lang="en-CA" sz="2400" b="1" dirty="0">
-                <a:latin typeface="Times New Roman" panose="02020603050405020304" pitchFamily="18" charset="0"/>
-                <a:cs typeface="Times New Roman" panose="02020603050405020304" pitchFamily="18" charset="0"/>
-              </a:rPr>
-            </a:br>
-            <a:r>
-              <a:rPr lang="en-CA" sz="2400" b="1" dirty="0">
-                <a:latin typeface="Times New Roman" panose="02020603050405020304" pitchFamily="18" charset="0"/>
-                <a:cs typeface="Times New Roman" panose="02020603050405020304" pitchFamily="18" charset="0"/>
-              </a:rPr>
-              <a:t>Vinod Kumar Reddy </a:t>
+              <a:rPr lang="en-CA" sz="2400" b="1">
+                <a:latin typeface="Times New Roman" panose="02020603050405020304" pitchFamily="18" charset="0"/>
+                <a:cs typeface="Times New Roman" panose="02020603050405020304" pitchFamily="18" charset="0"/>
+              </a:rPr>
+              <a:t>BY,</a:t>
             </a:r>
             <a:br>
               <a:rPr lang="en-CA" sz="2400" b="1" dirty="0">
